--- a/2021-2022/практики/ЛР5 кодирование ethernent/Линейное и потенциальное кодирование_БЕЗ_ОШИБКИ.pptx
+++ b/2021-2022/практики/ЛР5 кодирование ethernent/Линейное и потенциальное кодирование_БЕЗ_ОШИБКИ.pptx
@@ -5,7 +5,7 @@
     <p:sldMasterId id="2147483648" r:id="rId1"/>
   </p:sldMasterIdLst>
   <p:notesMasterIdLst>
-    <p:notesMasterId r:id="rId31"/>
+    <p:notesMasterId r:id="rId32"/>
   </p:notesMasterIdLst>
   <p:sldIdLst>
     <p:sldId id="256" r:id="rId2"/>
@@ -37,6 +37,7 @@
     <p:sldId id="294" r:id="rId28"/>
     <p:sldId id="267" r:id="rId29"/>
     <p:sldId id="297" r:id="rId30"/>
+    <p:sldId id="298" r:id="rId31"/>
   </p:sldIdLst>
   <p:sldSz cx="9144000" cy="6858000" type="screen4x3"/>
   <p:notesSz cx="6858000" cy="9144000"/>
@@ -236,7 +237,7 @@
           <a:p>
             <a:fld id="{3F9A329B-59F9-4F4C-AAC2-8572E70306CD}" type="datetimeFigureOut">
               <a:rPr lang="ru-RU" smtClean="0"/>
-              <a:t>08.12.2021</a:t>
+              <a:t>07.12.2022</a:t>
             </a:fld>
             <a:endParaRPr lang="ru-RU"/>
           </a:p>
@@ -853,7 +854,7 @@
           <a:p>
             <a:fld id="{91ACBF59-E1AB-4078-89DF-4389E7E7E726}" type="datetimeFigureOut">
               <a:rPr lang="ru-RU" smtClean="0"/>
-              <a:t>08.12.2021</a:t>
+              <a:t>07.12.2022</a:t>
             </a:fld>
             <a:endParaRPr lang="ru-RU"/>
           </a:p>
@@ -1023,7 +1024,7 @@
           <a:p>
             <a:fld id="{91ACBF59-E1AB-4078-89DF-4389E7E7E726}" type="datetimeFigureOut">
               <a:rPr lang="ru-RU" smtClean="0"/>
-              <a:t>08.12.2021</a:t>
+              <a:t>07.12.2022</a:t>
             </a:fld>
             <a:endParaRPr lang="ru-RU"/>
           </a:p>
@@ -1203,7 +1204,7 @@
           <a:p>
             <a:fld id="{91ACBF59-E1AB-4078-89DF-4389E7E7E726}" type="datetimeFigureOut">
               <a:rPr lang="ru-RU" smtClean="0"/>
-              <a:t>08.12.2021</a:t>
+              <a:t>07.12.2022</a:t>
             </a:fld>
             <a:endParaRPr lang="ru-RU"/>
           </a:p>
@@ -1373,7 +1374,7 @@
           <a:p>
             <a:fld id="{91ACBF59-E1AB-4078-89DF-4389E7E7E726}" type="datetimeFigureOut">
               <a:rPr lang="ru-RU" smtClean="0"/>
-              <a:t>08.12.2021</a:t>
+              <a:t>07.12.2022</a:t>
             </a:fld>
             <a:endParaRPr lang="ru-RU"/>
           </a:p>
@@ -1619,7 +1620,7 @@
           <a:p>
             <a:fld id="{91ACBF59-E1AB-4078-89DF-4389E7E7E726}" type="datetimeFigureOut">
               <a:rPr lang="ru-RU" smtClean="0"/>
-              <a:t>08.12.2021</a:t>
+              <a:t>07.12.2022</a:t>
             </a:fld>
             <a:endParaRPr lang="ru-RU"/>
           </a:p>
@@ -1907,7 +1908,7 @@
           <a:p>
             <a:fld id="{91ACBF59-E1AB-4078-89DF-4389E7E7E726}" type="datetimeFigureOut">
               <a:rPr lang="ru-RU" smtClean="0"/>
-              <a:t>08.12.2021</a:t>
+              <a:t>07.12.2022</a:t>
             </a:fld>
             <a:endParaRPr lang="ru-RU"/>
           </a:p>
@@ -2329,7 +2330,7 @@
           <a:p>
             <a:fld id="{91ACBF59-E1AB-4078-89DF-4389E7E7E726}" type="datetimeFigureOut">
               <a:rPr lang="ru-RU" smtClean="0"/>
-              <a:t>08.12.2021</a:t>
+              <a:t>07.12.2022</a:t>
             </a:fld>
             <a:endParaRPr lang="ru-RU"/>
           </a:p>
@@ -2447,7 +2448,7 @@
           <a:p>
             <a:fld id="{91ACBF59-E1AB-4078-89DF-4389E7E7E726}" type="datetimeFigureOut">
               <a:rPr lang="ru-RU" smtClean="0"/>
-              <a:t>08.12.2021</a:t>
+              <a:t>07.12.2022</a:t>
             </a:fld>
             <a:endParaRPr lang="ru-RU"/>
           </a:p>
@@ -2542,7 +2543,7 @@
           <a:p>
             <a:fld id="{91ACBF59-E1AB-4078-89DF-4389E7E7E726}" type="datetimeFigureOut">
               <a:rPr lang="ru-RU" smtClean="0"/>
-              <a:t>08.12.2021</a:t>
+              <a:t>07.12.2022</a:t>
             </a:fld>
             <a:endParaRPr lang="ru-RU"/>
           </a:p>
@@ -2819,7 +2820,7 @@
           <a:p>
             <a:fld id="{91ACBF59-E1AB-4078-89DF-4389E7E7E726}" type="datetimeFigureOut">
               <a:rPr lang="ru-RU" smtClean="0"/>
-              <a:t>08.12.2021</a:t>
+              <a:t>07.12.2022</a:t>
             </a:fld>
             <a:endParaRPr lang="ru-RU"/>
           </a:p>
@@ -3072,7 +3073,7 @@
           <a:p>
             <a:fld id="{91ACBF59-E1AB-4078-89DF-4389E7E7E726}" type="datetimeFigureOut">
               <a:rPr lang="ru-RU" smtClean="0"/>
-              <a:t>08.12.2021</a:t>
+              <a:t>07.12.2022</a:t>
             </a:fld>
             <a:endParaRPr lang="ru-RU"/>
           </a:p>
@@ -3285,7 +3286,7 @@
           <a:p>
             <a:fld id="{91ACBF59-E1AB-4078-89DF-4389E7E7E726}" type="datetimeFigureOut">
               <a:rPr lang="ru-RU" smtClean="0"/>
-              <a:t>08.12.2021</a:t>
+              <a:t>07.12.2022</a:t>
             </a:fld>
             <a:endParaRPr lang="ru-RU"/>
           </a:p>
@@ -17350,6 +17351,153 @@
 </p:sld>
 </file>
 
+<file path=ppt/slides/slide30.xml><?xml version="1.0" encoding="utf-8"?>
+<p:sld xmlns:a="http://schemas.openxmlformats.org/drawingml/2006/main" xmlns:r="http://schemas.openxmlformats.org/officeDocument/2006/relationships" xmlns:p="http://schemas.openxmlformats.org/presentationml/2006/main">
+  <p:cSld>
+    <p:spTree>
+      <p:nvGrpSpPr>
+        <p:cNvPr id="1" name=""/>
+        <p:cNvGrpSpPr/>
+        <p:nvPr/>
+      </p:nvGrpSpPr>
+      <p:grpSpPr>
+        <a:xfrm>
+          <a:off x="0" y="0"/>
+          <a:ext cx="0" cy="0"/>
+          <a:chOff x="0" y="0"/>
+          <a:chExt cx="0" cy="0"/>
+        </a:xfrm>
+      </p:grpSpPr>
+      <p:sp>
+        <p:nvSpPr>
+          <p:cNvPr id="2" name="Заголовок 1"/>
+          <p:cNvSpPr>
+            <a:spLocks noGrp="1"/>
+          </p:cNvSpPr>
+          <p:nvPr>
+            <p:ph type="title"/>
+          </p:nvPr>
+        </p:nvSpPr>
+        <p:spPr/>
+        <p:txBody>
+          <a:bodyPr/>
+          <a:lstStyle/>
+          <a:p>
+            <a:r>
+              <a:rPr lang="ru-RU" dirty="0" smtClean="0"/>
+              <a:t>Задания </a:t>
+            </a:r>
+            <a:endParaRPr lang="ru-RU" dirty="0"/>
+          </a:p>
+        </p:txBody>
+      </p:sp>
+      <p:sp>
+        <p:nvSpPr>
+          <p:cNvPr id="3" name="Объект 2"/>
+          <p:cNvSpPr>
+            <a:spLocks noGrp="1"/>
+          </p:cNvSpPr>
+          <p:nvPr>
+            <p:ph idx="1"/>
+          </p:nvPr>
+        </p:nvSpPr>
+        <p:spPr/>
+        <p:txBody>
+          <a:bodyPr>
+            <a:normAutofit fontScale="77500" lnSpcReduction="20000"/>
+          </a:bodyPr>
+          <a:lstStyle/>
+          <a:p>
+            <a:r>
+              <a:rPr lang="ru-RU" dirty="0"/>
+              <a:t>задание:</a:t>
+            </a:r>
+          </a:p>
+          <a:p>
+            <a:r>
+              <a:rPr lang="ru-RU" dirty="0" smtClean="0"/>
+              <a:t>С клавиатуры задается </a:t>
+            </a:r>
+            <a:r>
+              <a:rPr lang="ru-RU" dirty="0"/>
+              <a:t>последовательность 8 бит.</a:t>
+            </a:r>
+          </a:p>
+          <a:p>
+            <a:r>
+              <a:rPr lang="ru-RU" dirty="0"/>
+              <a:t>Цель создать </a:t>
+            </a:r>
+            <a:r>
+              <a:rPr lang="ru-RU" dirty="0" smtClean="0"/>
+              <a:t>программу, </a:t>
+            </a:r>
+            <a:r>
+              <a:rPr lang="ru-RU" dirty="0"/>
+              <a:t>моделирующую последовательность кодирования последовательности </a:t>
+            </a:r>
+          </a:p>
+          <a:p>
+            <a:endParaRPr lang="ru-RU" dirty="0"/>
+          </a:p>
+          <a:p>
+            <a:r>
+              <a:rPr lang="ru-RU" dirty="0"/>
+              <a:t>задание 1:</a:t>
+            </a:r>
+          </a:p>
+          <a:p>
+            <a:r>
+              <a:rPr lang="ru-RU" dirty="0"/>
+              <a:t>4</a:t>
+            </a:r>
+            <a:r>
+              <a:rPr lang="en-US" dirty="0"/>
+              <a:t>b/5b -&gt; scramble Bi=Ai XOR Bi-3 XOR Bi-5 -&gt; NRZI -&gt; MLT3</a:t>
+            </a:r>
+          </a:p>
+          <a:p>
+            <a:endParaRPr lang="en-US" dirty="0"/>
+          </a:p>
+          <a:p>
+            <a:r>
+              <a:rPr lang="ru-RU" dirty="0"/>
+              <a:t>задание 2:</a:t>
+            </a:r>
+          </a:p>
+          <a:p>
+            <a:r>
+              <a:rPr lang="ru-RU" dirty="0"/>
+              <a:t>4</a:t>
+            </a:r>
+            <a:r>
+              <a:rPr lang="en-US" dirty="0"/>
+              <a:t>b/5b -&gt; scramble Bi=Ai XOR Bi-3 XOR Bi-5 -&gt; NRZ Diff -&gt; PAM5</a:t>
+            </a:r>
+            <a:endParaRPr lang="ru-RU" dirty="0"/>
+          </a:p>
+        </p:txBody>
+      </p:sp>
+    </p:spTree>
+    <p:extLst>
+      <p:ext uri="{BB962C8B-B14F-4D97-AF65-F5344CB8AC3E}">
+        <p14:creationId xmlns:p14="http://schemas.microsoft.com/office/powerpoint/2010/main" val="2159795686"/>
+      </p:ext>
+    </p:extLst>
+  </p:cSld>
+  <p:clrMapOvr>
+    <a:masterClrMapping/>
+  </p:clrMapOvr>
+  <p:timing>
+    <p:tnLst>
+      <p:par>
+        <p:cTn id="1" dur="indefinite" restart="never" nodeType="tmRoot"/>
+      </p:par>
+    </p:tnLst>
+  </p:timing>
+</p:sld>
+</file>
+
 <file path=ppt/slides/slide4.xml><?xml version="1.0" encoding="utf-8"?>
 <p:sld xmlns:a="http://schemas.openxmlformats.org/drawingml/2006/main" xmlns:r="http://schemas.openxmlformats.org/officeDocument/2006/relationships" xmlns:p="http://schemas.openxmlformats.org/presentationml/2006/main">
   <p:cSld>
